--- a/presentations/Рекомендательная система для студентов (окончательная).pptx
+++ b/presentations/Рекомендательная система для студентов (окончательная).pptx
@@ -5,7 +5,7 @@
     <p:sldMasterId id="2147483648" r:id="rId1"/>
   </p:sldMasterIdLst>
   <p:notesMasterIdLst>
-    <p:notesMasterId r:id="rId19"/>
+    <p:notesMasterId r:id="rId20"/>
   </p:notesMasterIdLst>
   <p:sldIdLst>
     <p:sldId id="258" r:id="rId2"/>
@@ -21,10 +21,11 @@
     <p:sldId id="270" r:id="rId12"/>
     <p:sldId id="267" r:id="rId13"/>
     <p:sldId id="268" r:id="rId14"/>
-    <p:sldId id="273" r:id="rId15"/>
-    <p:sldId id="271" r:id="rId16"/>
-    <p:sldId id="272" r:id="rId17"/>
-    <p:sldId id="274" r:id="rId18"/>
+    <p:sldId id="275" r:id="rId15"/>
+    <p:sldId id="273" r:id="rId16"/>
+    <p:sldId id="271" r:id="rId17"/>
+    <p:sldId id="272" r:id="rId18"/>
+    <p:sldId id="274" r:id="rId19"/>
   </p:sldIdLst>
   <p:sldSz cx="12192000" cy="6858000"/>
   <p:notesSz cx="6858000" cy="9144000"/>
@@ -6295,7 +6296,7 @@
         </p:nvSpPr>
         <p:spPr>
           <a:xfrm>
-            <a:off x="0" y="0"/>
+            <a:off x="-23652" y="-11903"/>
             <a:ext cx="12192000" cy="2981739"/>
           </a:xfrm>
           <a:prstGeom prst="rect">
@@ -6335,12 +6336,51 @@
           </a:p>
         </p:txBody>
       </p:sp>
-      <p:sp>
-        <p:nvSpPr>
-          <p:cNvPr id="12" name="Прямоугольник: скругленные углы 11">
-            <a:extLst>
-              <a:ext uri="{FF2B5EF4-FFF2-40B4-BE49-F238E27FC236}">
-                <a16:creationId xmlns:a16="http://schemas.microsoft.com/office/drawing/2014/main" id="{5B9F8B68-077A-4EDC-BF30-29EA8D370E74}"/>
+      <p:pic>
+        <p:nvPicPr>
+          <p:cNvPr id="7" name="Рисунок 6" descr="Смартфон">
+            <a:extLst>
+              <a:ext uri="{FF2B5EF4-FFF2-40B4-BE49-F238E27FC236}">
+                <a16:creationId xmlns:a16="http://schemas.microsoft.com/office/drawing/2014/main" id="{3C77DBD5-8630-4B91-81D5-1F1870DFE5A4}"/>
+              </a:ext>
+            </a:extLst>
+          </p:cNvPr>
+          <p:cNvPicPr>
+            <a:picLocks noChangeAspect="1"/>
+          </p:cNvPicPr>
+          <p:nvPr/>
+        </p:nvPicPr>
+        <p:blipFill>
+          <a:blip r:embed="rId2">
+            <a:extLst>
+              <a:ext uri="{28A0092B-C50C-407E-A947-70E740481C1C}">
+                <a14:useLocalDpi xmlns:a14="http://schemas.microsoft.com/office/drawing/2010/main" val="0"/>
+              </a:ext>
+              <a:ext uri="{96DAC541-7B7A-43D3-8B79-37D633B846F1}">
+                <asvg:svgBlip xmlns:asvg="http://schemas.microsoft.com/office/drawing/2016/SVG/main" r:embed="rId3"/>
+              </a:ext>
+            </a:extLst>
+          </a:blip>
+          <a:stretch>
+            <a:fillRect/>
+          </a:stretch>
+        </p:blipFill>
+        <p:spPr>
+          <a:xfrm>
+            <a:off x="-841818" y="1140036"/>
+            <a:ext cx="4452554" cy="4577927"/>
+          </a:xfrm>
+          <a:prstGeom prst="rect">
+            <a:avLst/>
+          </a:prstGeom>
+        </p:spPr>
+      </p:pic>
+      <p:sp>
+        <p:nvSpPr>
+          <p:cNvPr id="9" name="Прямоугольник: скругленные углы 8">
+            <a:extLst>
+              <a:ext uri="{FF2B5EF4-FFF2-40B4-BE49-F238E27FC236}">
+                <a16:creationId xmlns:a16="http://schemas.microsoft.com/office/drawing/2014/main" id="{4F77D9A5-8E45-4333-BEB0-D02C163E8257}"/>
               </a:ext>
             </a:extLst>
           </p:cNvPr>
@@ -6349,8 +6389,8 @@
         </p:nvSpPr>
         <p:spPr>
           <a:xfrm>
-            <a:off x="3907042" y="236354"/>
-            <a:ext cx="4377916" cy="800189"/>
+            <a:off x="2602955" y="991987"/>
+            <a:ext cx="3781337" cy="4980799"/>
           </a:xfrm>
           <a:prstGeom prst="roundRect">
             <a:avLst/>
@@ -6382,6 +6422,121 @@
           <a:bodyPr rtlCol="0" anchor="ctr"/>
           <a:lstStyle/>
           <a:p>
+            <a:r>
+              <a:rPr lang="ru-RU" b="0" dirty="0">
+                <a:solidFill>
+                  <a:schemeClr val="tx1"/>
+                </a:solidFill>
+                <a:effectLst/>
+                <a:latin typeface="Bahnschrift Light Condensed" panose="020B0502040204020203" pitchFamily="34" charset="0"/>
+              </a:rPr>
+              <a:t>Оценка своего состояния – фактор субъективный. Иногда сложно самому себе сказать, насколько текущее эмоциональное состояние отличается от вчерашнего. Иногда лень. Иногда забыл. Поэтому наша программа тесно интегрирована с внешним комплексом тестирования и подготовки докладов.</a:t>
+            </a:r>
+          </a:p>
+          <a:p>
+            <a:endParaRPr lang="ru-RU" dirty="0">
+              <a:solidFill>
+                <a:schemeClr val="tx1"/>
+              </a:solidFill>
+              <a:latin typeface="Bahnschrift Light Condensed" panose="020B0502040204020203" pitchFamily="34" charset="0"/>
+            </a:endParaRPr>
+          </a:p>
+          <a:p>
+            <a:r>
+              <a:rPr lang="ru-RU" dirty="0">
+                <a:solidFill>
+                  <a:schemeClr val="tx1"/>
+                </a:solidFill>
+                <a:latin typeface="Bahnschrift Light Condensed" panose="020B0502040204020203" pitchFamily="34" charset="0"/>
+              </a:rPr>
+              <a:t>Программа отслеживает, сколько слайдов сделано, насколько они качественные, количество пройденных тестов и их результаты. И на основании этой статистики, незаметно для пользователя делает свои выводы</a:t>
+            </a:r>
+          </a:p>
+        </p:txBody>
+      </p:sp>
+      <p:pic>
+        <p:nvPicPr>
+          <p:cNvPr id="11" name="Рисунок 10">
+            <a:extLst>
+              <a:ext uri="{FF2B5EF4-FFF2-40B4-BE49-F238E27FC236}">
+                <a16:creationId xmlns:a16="http://schemas.microsoft.com/office/drawing/2014/main" id="{8C09E227-3381-49F6-A16F-DE85BF18A2F1}"/>
+              </a:ext>
+            </a:extLst>
+          </p:cNvPr>
+          <p:cNvPicPr>
+            <a:picLocks noChangeAspect="1"/>
+          </p:cNvPicPr>
+          <p:nvPr/>
+        </p:nvPicPr>
+        <p:blipFill>
+          <a:blip r:embed="rId4">
+            <a:extLst>
+              <a:ext uri="{28A0092B-C50C-407E-A947-70E740481C1C}">
+                <a14:useLocalDpi xmlns:a14="http://schemas.microsoft.com/office/drawing/2010/main" val="0"/>
+              </a:ext>
+            </a:extLst>
+          </a:blip>
+          <a:stretch>
+            <a:fillRect/>
+          </a:stretch>
+        </p:blipFill>
+        <p:spPr>
+          <a:xfrm>
+            <a:off x="542115" y="1904987"/>
+            <a:ext cx="1666240" cy="3046108"/>
+          </a:xfrm>
+          <a:prstGeom prst="rect">
+            <a:avLst/>
+          </a:prstGeom>
+        </p:spPr>
+      </p:pic>
+      <p:sp>
+        <p:nvSpPr>
+          <p:cNvPr id="12" name="Прямоугольник: скругленные углы 11">
+            <a:extLst>
+              <a:ext uri="{FF2B5EF4-FFF2-40B4-BE49-F238E27FC236}">
+                <a16:creationId xmlns:a16="http://schemas.microsoft.com/office/drawing/2014/main" id="{5B9F8B68-077A-4EDC-BF30-29EA8D370E74}"/>
+              </a:ext>
+            </a:extLst>
+          </p:cNvPr>
+          <p:cNvSpPr/>
+          <p:nvPr/>
+        </p:nvSpPr>
+        <p:spPr>
+          <a:xfrm>
+            <a:off x="1892894" y="14637"/>
+            <a:ext cx="4800867" cy="1196924"/>
+          </a:xfrm>
+          <a:prstGeom prst="roundRect">
+            <a:avLst/>
+          </a:prstGeom>
+          <a:noFill/>
+          <a:ln>
+            <a:solidFill>
+              <a:schemeClr val="bg1"/>
+            </a:solidFill>
+          </a:ln>
+        </p:spPr>
+        <p:style>
+          <a:lnRef idx="2">
+            <a:schemeClr val="accent1">
+              <a:shade val="50000"/>
+            </a:schemeClr>
+          </a:lnRef>
+          <a:fillRef idx="1">
+            <a:schemeClr val="accent1"/>
+          </a:fillRef>
+          <a:effectRef idx="0">
+            <a:schemeClr val="accent1"/>
+          </a:effectRef>
+          <a:fontRef idx="minor">
+            <a:schemeClr val="lt1"/>
+          </a:fontRef>
+        </p:style>
+        <p:txBody>
+          <a:bodyPr rtlCol="0" anchor="ctr"/>
+          <a:lstStyle/>
+          <a:p>
             <a:pPr algn="ctr" fontAlgn="base"/>
             <a:r>
               <a:rPr lang="ru-RU" sz="3200" dirty="0">
@@ -6390,38 +6545,41 @@
                 </a:solidFill>
                 <a:latin typeface="Bahnschrift Light Condensed" panose="020B0502040204020203" pitchFamily="34" charset="0"/>
               </a:rPr>
-              <a:t>Видео, с описанием работы</a:t>
+              <a:t>Тестирование и работа с сайтом</a:t>
             </a:r>
           </a:p>
         </p:txBody>
       </p:sp>
       <p:pic>
         <p:nvPicPr>
-          <p:cNvPr id="2" name="Мультимедиа в Интернете 1">
-            <a:hlinkClick r:id="" action="ppaction://media"/>
-            <a:extLst>
-              <a:ext uri="{FF2B5EF4-FFF2-40B4-BE49-F238E27FC236}">
-                <a16:creationId xmlns:a16="http://schemas.microsoft.com/office/drawing/2014/main" id="{6B0A86CF-9F64-45CF-AFBD-42CA0A08FB6B}"/>
+          <p:cNvPr id="14" name="Рисунок 13">
+            <a:extLst>
+              <a:ext uri="{FF2B5EF4-FFF2-40B4-BE49-F238E27FC236}">
+                <a16:creationId xmlns:a16="http://schemas.microsoft.com/office/drawing/2014/main" id="{E2B2730D-DEFE-4954-ACA2-37DA45876393}"/>
               </a:ext>
             </a:extLst>
           </p:cNvPr>
           <p:cNvPicPr>
-            <a:picLocks noRot="1" noChangeAspect="1"/>
+            <a:picLocks noChangeAspect="1"/>
           </p:cNvPicPr>
-          <p:nvPr>
-            <a:videoFile r:link="rId1"/>
-          </p:nvPr>
+          <p:nvPr/>
         </p:nvPicPr>
         <p:blipFill>
-          <a:blip r:embed="rId3"/>
+          <a:blip r:embed="rId5">
+            <a:extLst>
+              <a:ext uri="{28A0092B-C50C-407E-A947-70E740481C1C}">
+                <a14:useLocalDpi xmlns:a14="http://schemas.microsoft.com/office/drawing/2010/main" val="0"/>
+              </a:ext>
+            </a:extLst>
+          </a:blip>
           <a:stretch>
             <a:fillRect/>
           </a:stretch>
         </p:blipFill>
         <p:spPr>
           <a:xfrm>
-            <a:off x="1679453" y="1272897"/>
-            <a:ext cx="9007899" cy="5066943"/>
+            <a:off x="6835383" y="761147"/>
+            <a:ext cx="5245155" cy="6021977"/>
           </a:xfrm>
           <a:prstGeom prst="rect">
             <a:avLst/>
@@ -6431,7 +6589,7 @@
     </p:spTree>
     <p:extLst>
       <p:ext uri="{BB962C8B-B14F-4D97-AF65-F5344CB8AC3E}">
-        <p14:creationId xmlns:p14="http://schemas.microsoft.com/office/powerpoint/2010/main" val="2639072400"/>
+        <p14:creationId xmlns:p14="http://schemas.microsoft.com/office/powerpoint/2010/main" val="1659648760"/>
       </p:ext>
     </p:extLst>
   </p:cSld>
@@ -6488,6 +6646,211 @@
       </p:grpSpPr>
       <p:sp>
         <p:nvSpPr>
+          <p:cNvPr id="6" name="Прямоугольник 5">
+            <a:extLst>
+              <a:ext uri="{FF2B5EF4-FFF2-40B4-BE49-F238E27FC236}">
+                <a16:creationId xmlns:a16="http://schemas.microsoft.com/office/drawing/2014/main" id="{1AAE2254-53D4-4CB9-AD88-42C698422688}"/>
+              </a:ext>
+            </a:extLst>
+          </p:cNvPr>
+          <p:cNvSpPr/>
+          <p:nvPr/>
+        </p:nvSpPr>
+        <p:spPr>
+          <a:xfrm>
+            <a:off x="0" y="0"/>
+            <a:ext cx="12192000" cy="2981739"/>
+          </a:xfrm>
+          <a:prstGeom prst="rect">
+            <a:avLst/>
+          </a:prstGeom>
+          <a:solidFill>
+            <a:srgbClr val="5CE1E6">
+              <a:alpha val="58000"/>
+            </a:srgbClr>
+          </a:solidFill>
+          <a:ln w="28575">
+            <a:noFill/>
+          </a:ln>
+        </p:spPr>
+        <p:style>
+          <a:lnRef idx="2">
+            <a:schemeClr val="accent1">
+              <a:shade val="50000"/>
+            </a:schemeClr>
+          </a:lnRef>
+          <a:fillRef idx="1">
+            <a:schemeClr val="accent1"/>
+          </a:fillRef>
+          <a:effectRef idx="0">
+            <a:schemeClr val="accent1"/>
+          </a:effectRef>
+          <a:fontRef idx="minor">
+            <a:schemeClr val="lt1"/>
+          </a:fontRef>
+        </p:style>
+        <p:txBody>
+          <a:bodyPr rtlCol="0" anchor="ctr"/>
+          <a:lstStyle/>
+          <a:p>
+            <a:pPr algn="ctr"/>
+            <a:endParaRPr lang="ru-RU"/>
+          </a:p>
+        </p:txBody>
+      </p:sp>
+      <p:sp>
+        <p:nvSpPr>
+          <p:cNvPr id="12" name="Прямоугольник: скругленные углы 11">
+            <a:extLst>
+              <a:ext uri="{FF2B5EF4-FFF2-40B4-BE49-F238E27FC236}">
+                <a16:creationId xmlns:a16="http://schemas.microsoft.com/office/drawing/2014/main" id="{5B9F8B68-077A-4EDC-BF30-29EA8D370E74}"/>
+              </a:ext>
+            </a:extLst>
+          </p:cNvPr>
+          <p:cNvSpPr/>
+          <p:nvPr/>
+        </p:nvSpPr>
+        <p:spPr>
+          <a:xfrm>
+            <a:off x="3907042" y="236354"/>
+            <a:ext cx="4377916" cy="800189"/>
+          </a:xfrm>
+          <a:prstGeom prst="roundRect">
+            <a:avLst/>
+          </a:prstGeom>
+          <a:noFill/>
+          <a:ln>
+            <a:solidFill>
+              <a:schemeClr val="bg1"/>
+            </a:solidFill>
+          </a:ln>
+        </p:spPr>
+        <p:style>
+          <a:lnRef idx="2">
+            <a:schemeClr val="accent1">
+              <a:shade val="50000"/>
+            </a:schemeClr>
+          </a:lnRef>
+          <a:fillRef idx="1">
+            <a:schemeClr val="accent1"/>
+          </a:fillRef>
+          <a:effectRef idx="0">
+            <a:schemeClr val="accent1"/>
+          </a:effectRef>
+          <a:fontRef idx="minor">
+            <a:schemeClr val="lt1"/>
+          </a:fontRef>
+        </p:style>
+        <p:txBody>
+          <a:bodyPr rtlCol="0" anchor="ctr"/>
+          <a:lstStyle/>
+          <a:p>
+            <a:pPr algn="ctr" fontAlgn="base"/>
+            <a:r>
+              <a:rPr lang="ru-RU" sz="3200" dirty="0">
+                <a:solidFill>
+                  <a:schemeClr val="tx1"/>
+                </a:solidFill>
+                <a:latin typeface="Bahnschrift Light Condensed" panose="020B0502040204020203" pitchFamily="34" charset="0"/>
+              </a:rPr>
+              <a:t>Видео, с описанием работы</a:t>
+            </a:r>
+          </a:p>
+        </p:txBody>
+      </p:sp>
+      <p:pic>
+        <p:nvPicPr>
+          <p:cNvPr id="2" name="Мультимедиа в Интернете 1">
+            <a:hlinkClick r:id="" action="ppaction://media"/>
+            <a:extLst>
+              <a:ext uri="{FF2B5EF4-FFF2-40B4-BE49-F238E27FC236}">
+                <a16:creationId xmlns:a16="http://schemas.microsoft.com/office/drawing/2014/main" id="{6B0A86CF-9F64-45CF-AFBD-42CA0A08FB6B}"/>
+              </a:ext>
+            </a:extLst>
+          </p:cNvPr>
+          <p:cNvPicPr>
+            <a:picLocks noRot="1" noChangeAspect="1"/>
+          </p:cNvPicPr>
+          <p:nvPr>
+            <a:videoFile r:link="rId1"/>
+          </p:nvPr>
+        </p:nvPicPr>
+        <p:blipFill>
+          <a:blip r:embed="rId3"/>
+          <a:stretch>
+            <a:fillRect/>
+          </a:stretch>
+        </p:blipFill>
+        <p:spPr>
+          <a:xfrm>
+            <a:off x="1679453" y="1272897"/>
+            <a:ext cx="9007899" cy="5066943"/>
+          </a:xfrm>
+          <a:prstGeom prst="rect">
+            <a:avLst/>
+          </a:prstGeom>
+        </p:spPr>
+      </p:pic>
+    </p:spTree>
+    <p:extLst>
+      <p:ext uri="{BB962C8B-B14F-4D97-AF65-F5344CB8AC3E}">
+        <p14:creationId xmlns:p14="http://schemas.microsoft.com/office/powerpoint/2010/main" val="2639072400"/>
+      </p:ext>
+    </p:extLst>
+  </p:cSld>
+  <p:clrMapOvr>
+    <a:masterClrMapping/>
+  </p:clrMapOvr>
+</p:sld>
+</file>
+
+<file path=ppt/slides/slide16.xml><?xml version="1.0" encoding="utf-8"?>
+<p:sld xmlns:a="http://schemas.openxmlformats.org/drawingml/2006/main" xmlns:r="http://schemas.openxmlformats.org/officeDocument/2006/relationships" xmlns:p="http://schemas.openxmlformats.org/presentationml/2006/main">
+  <p:cSld>
+    <p:bg>
+      <p:bgPr>
+        <a:gradFill>
+          <a:gsLst>
+            <a:gs pos="0">
+              <a:schemeClr val="tx1">
+                <a:lumMod val="50000"/>
+                <a:lumOff val="50000"/>
+              </a:schemeClr>
+            </a:gs>
+            <a:gs pos="100000">
+              <a:schemeClr val="accent1">
+                <a:tint val="44500"/>
+                <a:satMod val="160000"/>
+              </a:schemeClr>
+            </a:gs>
+            <a:gs pos="88000">
+              <a:schemeClr val="accent1">
+                <a:tint val="23500"/>
+                <a:satMod val="160000"/>
+              </a:schemeClr>
+            </a:gs>
+          </a:gsLst>
+          <a:lin ang="5400000" scaled="1"/>
+        </a:gradFill>
+        <a:effectLst/>
+      </p:bgPr>
+    </p:bg>
+    <p:spTree>
+      <p:nvGrpSpPr>
+        <p:cNvPr id="1" name=""/>
+        <p:cNvGrpSpPr/>
+        <p:nvPr/>
+      </p:nvGrpSpPr>
+      <p:grpSpPr>
+        <a:xfrm>
+          <a:off x="0" y="0"/>
+          <a:ext cx="0" cy="0"/>
+          <a:chOff x="0" y="0"/>
+          <a:chExt cx="0" cy="0"/>
+        </a:xfrm>
+      </p:grpSpPr>
+      <p:sp>
+        <p:nvSpPr>
           <p:cNvPr id="4" name="Прямоугольник 3">
             <a:extLst>
               <a:ext uri="{FF2B5EF4-FFF2-40B4-BE49-F238E27FC236}">
@@ -6784,7 +7147,7 @@
 </p:sld>
 </file>
 
-<file path=ppt/slides/slide16.xml><?xml version="1.0" encoding="utf-8"?>
+<file path=ppt/slides/slide17.xml><?xml version="1.0" encoding="utf-8"?>
 <p:sld xmlns:a="http://schemas.openxmlformats.org/drawingml/2006/main" xmlns:r="http://schemas.openxmlformats.org/officeDocument/2006/relationships" xmlns:p="http://schemas.openxmlformats.org/presentationml/2006/main">
   <p:cSld>
     <p:bg>
@@ -7102,7 +7465,7 @@
 </p:sld>
 </file>
 
-<file path=ppt/slides/slide17.xml><?xml version="1.0" encoding="utf-8"?>
+<file path=ppt/slides/slide18.xml><?xml version="1.0" encoding="utf-8"?>
 <p:sld xmlns:a="http://schemas.openxmlformats.org/drawingml/2006/main" xmlns:r="http://schemas.openxmlformats.org/officeDocument/2006/relationships" xmlns:p="http://schemas.openxmlformats.org/presentationml/2006/main">
   <p:cSld>
     <p:bg>
